--- a/lecture notes/from Modeling to Continuous-time LQ/powerpoint_handouts (work in progress)/16-stateFeedback (imcmp-presentation-dark) - pub.pptx
+++ b/lecture notes/from Modeling to Continuous-time LQ/powerpoint_handouts (work in progress)/16-stateFeedback (imcmp-presentation-dark) - pub.pptx
@@ -1622,7 +1622,7 @@
           <a:p>
             <a:fld id="{1D8BD707-D9CF-40AE-B4C6-C98DA3205C09}" type="datetimeFigureOut">
               <a:rPr lang="en-US"/>
-              <a:t>10/21/2025</a:t>
+              <a:t>10/21/25</a:t>
             </a:fld>
             <a:endParaRPr lang="en-US"/>
           </a:p>
@@ -1990,7 +1990,7 @@
           <a:p>
             <a:fld id="{1D8BD707-D9CF-40AE-B4C6-C98DA3205C09}" type="datetimeFigureOut">
               <a:rPr lang="en-US"/>
-              <a:t>10/21/2025</a:t>
+              <a:t>10/21/25</a:t>
             </a:fld>
             <a:endParaRPr lang="en-US"/>
           </a:p>
@@ -2287,7 +2287,7 @@
           <a:p>
             <a:fld id="{1D8BD707-D9CF-40AE-B4C6-C98DA3205C09}" type="datetimeFigureOut">
               <a:rPr lang="en-US"/>
-              <a:t>10/21/2025</a:t>
+              <a:t>10/21/25</a:t>
             </a:fld>
             <a:endParaRPr lang="en-US"/>
           </a:p>
@@ -2518,7 +2518,7 @@
           <a:p>
             <a:fld id="{1D8BD707-D9CF-40AE-B4C6-C98DA3205C09}" type="datetimeFigureOut">
               <a:rPr lang="en-US"/>
-              <a:t>10/21/2025</a:t>
+              <a:t>10/21/25</a:t>
             </a:fld>
             <a:endParaRPr lang="en-US"/>
           </a:p>
@@ -2720,7 +2720,7 @@
           <a:p>
             <a:fld id="{1D8BD707-D9CF-40AE-B4C6-C98DA3205C09}" type="datetimeFigureOut">
               <a:rPr lang="en-US"/>
-              <a:t>10/21/2025</a:t>
+              <a:t>10/21/25</a:t>
             </a:fld>
             <a:endParaRPr lang="en-US"/>
           </a:p>
@@ -3078,7 +3078,7 @@
           <a:p>
             <a:fld id="{1D8BD707-D9CF-40AE-B4C6-C98DA3205C09}" type="datetimeFigureOut">
               <a:rPr lang="en-US"/>
-              <a:t>10/21/2025</a:t>
+              <a:t>10/21/25</a:t>
             </a:fld>
             <a:endParaRPr lang="en-US"/>
           </a:p>
@@ -3528,159 +3528,6 @@
       </p:sp>
       <p:sp>
         <p:nvSpPr>
-          <p:cNvPr id="5" name="object 5"/>
-          <p:cNvSpPr txBox="1">
-            <a:spLocks noGrp="1"/>
-          </p:cNvSpPr>
-          <p:nvPr>
-            <p:ph type="ftr" sz="quarter" idx="5"/>
-          </p:nvPr>
-        </p:nvSpPr>
-        <p:spPr>
-          <a:prstGeom prst="rect">
-            <a:avLst/>
-          </a:prstGeom>
-        </p:spPr>
-        <p:txBody>
-          <a:bodyPr vert="horz" wrap="square" lIns="0" tIns="7620" rIns="0" bIns="0" rtlCol="0">
-            <a:spAutoFit/>
-          </a:bodyPr>
-          <a:lstStyle/>
-          <a:p>
-            <a:pPr marL="12700">
-              <a:lnSpc>
-                <a:spcPct val="100000"/>
-              </a:lnSpc>
-              <a:spcBef>
-                <a:spcPts val="60"/>
-              </a:spcBef>
-            </a:pPr>
-            <a:r>
-              <a:rPr spc="50" dirty="0"/>
-              <a:t>Mod</a:t>
-            </a:r>
-            <a:r>
-              <a:rPr spc="125" dirty="0"/>
-              <a:t> </a:t>
-            </a:r>
-            <a:r>
-              <a:rPr spc="10" dirty="0"/>
-              <a:t>Ctrl</a:t>
-            </a:r>
-            <a:r>
-              <a:rPr spc="130" dirty="0"/>
-              <a:t> </a:t>
-            </a:r>
-            <a:r>
-              <a:rPr spc="10" dirty="0"/>
-              <a:t>Intro</a:t>
-            </a:r>
-            <a:r>
-              <a:rPr spc="415" dirty="0"/>
-              <a:t> </a:t>
-            </a:r>
-            <a:r>
-              <a:rPr spc="50" dirty="0"/>
-              <a:t>(w</a:t>
-            </a:r>
-            <a:r>
-              <a:rPr spc="125" dirty="0"/>
-              <a:t> </a:t>
-            </a:r>
-            <a:r>
-              <a:rPr spc="10" dirty="0"/>
-              <a:t>Matlab</a:t>
-            </a:r>
-            <a:r>
-              <a:rPr spc="130" dirty="0"/>
-              <a:t> </a:t>
-            </a:r>
-            <a:r>
-              <a:rPr spc="125" dirty="0"/>
-              <a:t>&amp;</a:t>
-            </a:r>
-            <a:r>
-              <a:rPr spc="130" dirty="0"/>
-              <a:t> </a:t>
-            </a:r>
-            <a:r>
-              <a:rPr spc="-10" dirty="0"/>
-              <a:t>Python)</a:t>
-            </a:r>
-          </a:p>
-        </p:txBody>
-      </p:sp>
-      <p:sp>
-        <p:nvSpPr>
-          <p:cNvPr id="6" name="object 6"/>
-          <p:cNvSpPr txBox="1"/>
-          <p:nvPr/>
-        </p:nvSpPr>
-        <p:spPr>
-          <a:xfrm>
-            <a:off x="2004695" y="3338410"/>
-            <a:ext cx="599440" cy="122555"/>
-          </a:xfrm>
-          <a:prstGeom prst="rect">
-            <a:avLst/>
-          </a:prstGeom>
-        </p:spPr>
-        <p:txBody>
-          <a:bodyPr vert="horz" wrap="square" lIns="0" tIns="7620" rIns="0" bIns="0" rtlCol="0">
-            <a:spAutoFit/>
-          </a:bodyPr>
-          <a:lstStyle/>
-          <a:p>
-            <a:pPr marL="12700">
-              <a:lnSpc>
-                <a:spcPct val="100000"/>
-              </a:lnSpc>
-              <a:spcBef>
-                <a:spcPts val="60"/>
-              </a:spcBef>
-            </a:pPr>
-            <a:r>
-              <a:rPr sz="600" dirty="0">
-                <a:solidFill>
-                  <a:srgbClr val="BF447D"/>
-                </a:solidFill>
-                <a:latin typeface="Arial"/>
-                <a:cs typeface="Arial"/>
-                <a:hlinkClick r:id="rId2" action="ppaction://hlinksldjump"/>
-              </a:rPr>
-              <a:t>State</a:t>
-            </a:r>
-            <a:r>
-              <a:rPr sz="600" spc="195" dirty="0">
-                <a:solidFill>
-                  <a:srgbClr val="BF447D"/>
-                </a:solidFill>
-                <a:latin typeface="Arial"/>
-                <a:cs typeface="Arial"/>
-                <a:hlinkClick r:id="rId2" action="ppaction://hlinksldjump"/>
-              </a:rPr>
-              <a:t> </a:t>
-            </a:r>
-            <a:r>
-              <a:rPr sz="600" spc="-10" dirty="0">
-                <a:solidFill>
-                  <a:srgbClr val="BF447D"/>
-                </a:solidFill>
-                <a:latin typeface="Arial"/>
-                <a:cs typeface="Arial"/>
-                <a:hlinkClick r:id="rId2" action="ppaction://hlinksldjump"/>
-              </a:rPr>
-              <a:t>Feedback</a:t>
-            </a:r>
-            <a:endParaRPr sz="600">
-              <a:latin typeface="Arial"/>
-              <a:cs typeface="Arial"/>
-            </a:endParaRPr>
-          </a:p>
-        </p:txBody>
-      </p:sp>
-      <p:sp>
-        <p:nvSpPr>
           <p:cNvPr id="7" name="object 7"/>
           <p:cNvSpPr txBox="1">
             <a:spLocks noGrp="1"/>
@@ -3728,6 +3575,113 @@
               <a:rPr spc="-25" dirty="0"/>
               <a:t>16</a:t>
             </a:r>
+          </a:p>
+        </p:txBody>
+      </p:sp>
+      <p:sp>
+        <p:nvSpPr>
+          <p:cNvPr id="8" name="object 4">
+            <a:extLst>
+              <a:ext uri="{FF2B5EF4-FFF2-40B4-BE49-F238E27FC236}">
+                <a16:creationId xmlns:a16="http://schemas.microsoft.com/office/drawing/2014/main" id="{90568A46-D251-D5E4-CF1F-CD1C679EC09F}"/>
+              </a:ext>
+            </a:extLst>
+          </p:cNvPr>
+          <p:cNvSpPr txBox="1">
+            <a:spLocks noGrp="1"/>
+          </p:cNvSpPr>
+          <p:nvPr>
+            <p:ph type="ftr" sz="quarter" idx="5"/>
+          </p:nvPr>
+        </p:nvSpPr>
+        <p:spPr>
+          <a:xfrm>
+            <a:off x="-61405" y="3322038"/>
+            <a:ext cx="2152650" cy="116699"/>
+          </a:xfrm>
+          <a:prstGeom prst="rect">
+            <a:avLst/>
+          </a:prstGeom>
+        </p:spPr>
+        <p:txBody>
+          <a:bodyPr vert="horz" wrap="square" lIns="0" tIns="24130" rIns="0" bIns="0" rtlCol="0">
+            <a:spAutoFit/>
+          </a:bodyPr>
+          <a:lstStyle/>
+          <a:p>
+            <a:pPr marL="12700" algn="ctr">
+              <a:lnSpc>
+                <a:spcPct val="100000"/>
+              </a:lnSpc>
+              <a:spcBef>
+                <a:spcPts val="190"/>
+              </a:spcBef>
+            </a:pPr>
+            <a:r>
+              <a:rPr dirty="0"/>
+              <a:t>Mod</a:t>
+            </a:r>
+            <a:r>
+              <a:rPr spc="80" dirty="0"/>
+              <a:t> </a:t>
+            </a:r>
+            <a:r>
+              <a:rPr dirty="0"/>
+              <a:t>Ctrl</a:t>
+            </a:r>
+            <a:r>
+              <a:rPr spc="75" dirty="0"/>
+              <a:t> </a:t>
+            </a:r>
+            <a:r>
+              <a:rPr dirty="0"/>
+              <a:t>Intr</a:t>
+            </a:r>
+            <a:r>
+              <a:rPr lang="en-US" dirty="0"/>
+              <a:t>o</a:t>
+            </a:r>
+            <a:r>
+              <a:rPr lang="en-US" spc="320" dirty="0"/>
+              <a:t> </a:t>
+            </a:r>
+            <a:r>
+              <a:rPr lang="en-US" dirty="0"/>
+              <a:t>(</a:t>
+            </a:r>
+            <a:r>
+              <a:rPr dirty="0"/>
+              <a:t>w</a:t>
+            </a:r>
+            <a:r>
+              <a:rPr spc="75" dirty="0"/>
+              <a:t> </a:t>
+            </a:r>
+            <a:r>
+              <a:rPr dirty="0"/>
+              <a:t>Matlab</a:t>
+            </a:r>
+            <a:r>
+              <a:rPr spc="80" dirty="0"/>
+              <a:t> &amp;</a:t>
+            </a:r>
+            <a:r>
+              <a:rPr spc="75" dirty="0"/>
+              <a:t> </a:t>
+            </a:r>
+            <a:r>
+              <a:rPr spc="-10" dirty="0"/>
+              <a:t>Python)</a:t>
+            </a:r>
+            <a:r>
+              <a:rPr lang="en-US" spc="-10" dirty="0"/>
+              <a:t>, Chen &amp; </a:t>
+            </a:r>
+            <a:r>
+              <a:rPr lang="en-US" spc="-10" dirty="0" err="1"/>
+              <a:t>Tomizuka</a:t>
+            </a:r>
+            <a:endParaRPr spc="-10" dirty="0"/>
           </a:p>
         </p:txBody>
       </p:sp>
@@ -4144,8 +4098,8 @@
           </p:txBody>
         </p:sp>
       </p:grpSp>
-      <mc:AlternateContent xmlns:mc="http://schemas.openxmlformats.org/markup-compatibility/2006">
-        <mc:Choice xmlns:a14="http://schemas.microsoft.com/office/drawing/2010/main" Requires="a14">
+      <mc:AlternateContent xmlns:mc="http://schemas.openxmlformats.org/markup-compatibility/2006" xmlns:a14="http://schemas.microsoft.com/office/drawing/2010/main">
+        <mc:Choice Requires="a14">
           <p:sp>
             <p:nvSpPr>
               <p:cNvPr id="11" name="object 11"/>
@@ -6473,7 +6427,7 @@
             </p:txBody>
           </p:sp>
         </mc:Choice>
-        <mc:Fallback>
+        <mc:Fallback xmlns="">
           <p:sp>
             <p:nvSpPr>
               <p:cNvPr id="11" name="object 11"/>
